--- a/Tech Instagram Influencer Analysis.pptx
+++ b/Tech Instagram Influencer Analysis.pptx
@@ -14,8 +14,9 @@
     <p:sldId id="262" r:id="rId8"/>
     <p:sldId id="263" r:id="rId9"/>
     <p:sldId id="264" r:id="rId10"/>
-    <p:sldId id="265" r:id="rId11"/>
-    <p:sldId id="266" r:id="rId12"/>
+    <p:sldId id="268" r:id="rId11"/>
+    <p:sldId id="265" r:id="rId12"/>
+    <p:sldId id="266" r:id="rId13"/>
   </p:sldIdLst>
   <p:sldSz cx="12192000" cy="6858000"/>
   <p:notesSz cx="6858000" cy="9144000"/>
@@ -114,6 +115,11 @@
       </a:defRPr>
     </a:lvl9pPr>
   </p:defaultTextStyle>
+  <p:extLst>
+    <p:ext uri="{EFAFB233-063F-42B5-8137-9DF3F51BA10A}">
+      <p15:sldGuideLst xmlns:p15="http://schemas.microsoft.com/office/powerpoint/2012/main"/>
+    </p:ext>
+  </p:extLst>
 </p:presentation>
 </file>
 
@@ -3352,6 +3358,41 @@
           <a:chExt cx="0" cy="0"/>
         </a:xfrm>
       </p:grpSpPr>
+      <p:sp>
+        <p:nvSpPr>
+          <p:cNvPr id="3" name="TextBox 2">
+            <a:extLst>
+              <a:ext uri="{FF2B5EF4-FFF2-40B4-BE49-F238E27FC236}">
+                <a16:creationId xmlns:a16="http://schemas.microsoft.com/office/drawing/2014/main" id="{E97C7E4D-FF09-5161-F7D2-C09144BC9514}"/>
+              </a:ext>
+            </a:extLst>
+          </p:cNvPr>
+          <p:cNvSpPr txBox="1"/>
+          <p:nvPr/>
+        </p:nvSpPr>
+        <p:spPr>
+          <a:xfrm>
+            <a:off x="2713703" y="2172929"/>
+            <a:ext cx="6764594" cy="584775"/>
+          </a:xfrm>
+          <a:prstGeom prst="rect">
+            <a:avLst/>
+          </a:prstGeom>
+          <a:noFill/>
+        </p:spPr>
+        <p:txBody>
+          <a:bodyPr wrap="square">
+            <a:spAutoFit/>
+          </a:bodyPr>
+          <a:lstStyle/>
+          <a:p>
+            <a:r>
+              <a:rPr lang="en-IN" sz="3200" b="1" dirty="0"/>
+              <a:t>Tech Instagram Influencer Analysis</a:t>
+            </a:r>
+          </a:p>
+        </p:txBody>
+      </p:sp>
     </p:spTree>
     <p:extLst>
       <p:ext uri="{BB962C8B-B14F-4D97-AF65-F5344CB8AC3E}">
@@ -3366,6 +3407,122 @@
 </file>
 
 <file path=ppt/slides/slide10.xml><?xml version="1.0" encoding="utf-8"?>
+<p:sld xmlns:a="http://schemas.openxmlformats.org/drawingml/2006/main" xmlns:r="http://schemas.openxmlformats.org/officeDocument/2006/relationships" xmlns:p="http://schemas.openxmlformats.org/presentationml/2006/main">
+  <p:cSld>
+    <p:spTree>
+      <p:nvGrpSpPr>
+        <p:cNvPr id="1" name="">
+          <a:extLst>
+            <a:ext uri="{FF2B5EF4-FFF2-40B4-BE49-F238E27FC236}">
+              <a16:creationId xmlns:a16="http://schemas.microsoft.com/office/drawing/2014/main" id="{27D9E903-1460-F088-E09E-1DFA8BE5E91D}"/>
+            </a:ext>
+          </a:extLst>
+        </p:cNvPr>
+        <p:cNvGrpSpPr/>
+        <p:nvPr/>
+      </p:nvGrpSpPr>
+      <p:grpSpPr>
+        <a:xfrm>
+          <a:off x="0" y="0"/>
+          <a:ext cx="0" cy="0"/>
+          <a:chOff x="0" y="0"/>
+          <a:chExt cx="0" cy="0"/>
+        </a:xfrm>
+      </p:grpSpPr>
+      <p:sp>
+        <p:nvSpPr>
+          <p:cNvPr id="3" name="Content Placeholder 2">
+            <a:extLst>
+              <a:ext uri="{FF2B5EF4-FFF2-40B4-BE49-F238E27FC236}">
+                <a16:creationId xmlns:a16="http://schemas.microsoft.com/office/drawing/2014/main" id="{8B1E1F90-4762-E8B1-9071-6AEDCA5B9CAA}"/>
+              </a:ext>
+            </a:extLst>
+          </p:cNvPr>
+          <p:cNvSpPr>
+            <a:spLocks noGrp="1"/>
+          </p:cNvSpPr>
+          <p:nvPr>
+            <p:ph idx="1"/>
+          </p:nvPr>
+        </p:nvSpPr>
+        <p:spPr>
+          <a:xfrm>
+            <a:off x="1084007" y="432619"/>
+            <a:ext cx="10515600" cy="5508370"/>
+          </a:xfrm>
+        </p:spPr>
+        <p:txBody>
+          <a:bodyPr>
+            <a:normAutofit/>
+          </a:bodyPr>
+          <a:lstStyle/>
+          <a:p>
+            <a:pPr marL="0" indent="0">
+              <a:buNone/>
+            </a:pPr>
+            <a:r>
+              <a:rPr lang="en-IN" sz="1800" b="1" dirty="0"/>
+              <a:t> Output:-</a:t>
+            </a:r>
+          </a:p>
+          <a:p>
+            <a:pPr marL="0" indent="0">
+              <a:buNone/>
+            </a:pPr>
+            <a:endParaRPr lang="en-IN" sz="1800" b="1" dirty="0"/>
+          </a:p>
+          <a:p>
+            <a:endParaRPr lang="en-IN" dirty="0"/>
+          </a:p>
+          <a:p>
+            <a:endParaRPr lang="en-IN" sz="1800" dirty="0"/>
+          </a:p>
+        </p:txBody>
+      </p:sp>
+      <p:pic>
+        <p:nvPicPr>
+          <p:cNvPr id="4" name="Content Placeholder 3">
+            <a:extLst>
+              <a:ext uri="{FF2B5EF4-FFF2-40B4-BE49-F238E27FC236}">
+                <a16:creationId xmlns:a16="http://schemas.microsoft.com/office/drawing/2014/main" id="{3E34F56D-17E8-D664-88A4-5CF854A54BD7}"/>
+              </a:ext>
+            </a:extLst>
+          </p:cNvPr>
+          <p:cNvPicPr>
+            <a:picLocks noChangeAspect="1"/>
+          </p:cNvPicPr>
+          <p:nvPr/>
+        </p:nvPicPr>
+        <p:blipFill>
+          <a:blip r:embed="rId2"/>
+          <a:stretch>
+            <a:fillRect/>
+          </a:stretch>
+        </p:blipFill>
+        <p:spPr>
+          <a:xfrm>
+            <a:off x="2463022" y="2226798"/>
+            <a:ext cx="4709568" cy="3254022"/>
+          </a:xfrm>
+          <a:prstGeom prst="rect">
+            <a:avLst/>
+          </a:prstGeom>
+        </p:spPr>
+      </p:pic>
+    </p:spTree>
+    <p:extLst>
+      <p:ext uri="{BB962C8B-B14F-4D97-AF65-F5344CB8AC3E}">
+        <p14:creationId xmlns:p14="http://schemas.microsoft.com/office/powerpoint/2010/main" val="1551921868"/>
+      </p:ext>
+    </p:extLst>
+  </p:cSld>
+  <p:clrMapOvr>
+    <a:masterClrMapping/>
+  </p:clrMapOvr>
+</p:sld>
+</file>
+
+<file path=ppt/slides/slide11.xml><?xml version="1.0" encoding="utf-8"?>
 <p:sld xmlns:a="http://schemas.openxmlformats.org/drawingml/2006/main" xmlns:r="http://schemas.openxmlformats.org/officeDocument/2006/relationships" xmlns:p="http://schemas.openxmlformats.org/presentationml/2006/main">
   <p:cSld>
     <p:spTree>
@@ -3419,43 +3576,50 @@
             <a:pPr marL="0" indent="0">
               <a:buNone/>
             </a:pPr>
-            <a:endParaRPr lang="en-IN" dirty="0"/>
-          </a:p>
-          <a:p>
-            <a:endParaRPr lang="en-IN" dirty="0"/>
-          </a:p>
-          <a:p>
-            <a:endParaRPr lang="en-IN" dirty="0"/>
-          </a:p>
-          <a:p>
-            <a:r>
-              <a:rPr lang="en-US" dirty="0"/>
-              <a:t>List the top three dates in each month with the highest number of new followers. The final output should include the following columns: </a:t>
-            </a:r>
-          </a:p>
-          <a:p>
-            <a:r>
-              <a:rPr lang="en-IN" dirty="0"/>
+            <a:r>
+              <a:rPr lang="en-US" sz="3300" b="1" dirty="0"/>
+              <a:t>9.List the top three dates in each month with the highest number of new followers. The final output should include the following columns: </a:t>
+            </a:r>
+          </a:p>
+          <a:p>
+            <a:r>
+              <a:rPr lang="en-IN" sz="3300" b="1" dirty="0"/>
               <a:t>month </a:t>
             </a:r>
           </a:p>
           <a:p>
             <a:r>
-              <a:rPr lang="en-IN" dirty="0"/>
+              <a:rPr lang="en-IN" sz="3300" b="1" dirty="0"/>
               <a:t>date </a:t>
             </a:r>
           </a:p>
           <a:p>
             <a:r>
-              <a:rPr lang="en-IN" dirty="0" err="1"/>
+              <a:rPr lang="en-IN" sz="3300" b="1" dirty="0" err="1"/>
               <a:t>new_followers</a:t>
             </a:r>
             <a:r>
-              <a:rPr lang="en-IN" dirty="0"/>
+              <a:rPr lang="en-IN" sz="3300" b="1" dirty="0"/>
               <a:t> </a:t>
             </a:r>
-          </a:p>
-          <a:p>
+            <a:r>
+              <a:rPr lang="en-IN" b="1" dirty="0"/>
+              <a:t>												</a:t>
+            </a:r>
+          </a:p>
+          <a:p>
+            <a:pPr marL="0" indent="0">
+              <a:buNone/>
+            </a:pPr>
+            <a:r>
+              <a:rPr lang="en-IN" b="1" dirty="0"/>
+              <a:t>Query:-</a:t>
+            </a:r>
+          </a:p>
+          <a:p>
+            <a:pPr marL="0" indent="0">
+              <a:buNone/>
+            </a:pPr>
             <a:r>
               <a:rPr lang="en-US" dirty="0"/>
               <a:t>SELECT </a:t>
@@ -3486,9 +3650,12 @@
             </a:r>
           </a:p>
           <a:p>
+            <a:pPr marL="0" indent="0">
+              <a:buNone/>
+            </a:pPr>
             <a:r>
               <a:rPr lang="en-US" dirty="0"/>
-              <a:t>       </a:t>
+              <a:t> </a:t>
             </a:r>
             <a:r>
               <a:rPr lang="en-US" dirty="0" err="1"/>
@@ -3508,6 +3675,9 @@
             </a:r>
           </a:p>
           <a:p>
+            <a:pPr marL="0" indent="0">
+              <a:buNone/>
+            </a:pPr>
             <a:r>
               <a:rPr lang="en-US" dirty="0" err="1"/>
               <a:t>s.new_followers</a:t>
@@ -3558,6 +3728,9 @@
             </a:r>
           </a:p>
           <a:p>
+            <a:pPr marL="0" indent="0">
+              <a:buNone/>
+            </a:pPr>
             <a:r>
               <a:rPr lang="en-US" dirty="0"/>
               <a:t>JOIN </a:t>
@@ -3572,6 +3745,9 @@
             </a:r>
           </a:p>
           <a:p>
+            <a:pPr marL="0" indent="0">
+              <a:buNone/>
+            </a:pPr>
             <a:r>
               <a:rPr lang="en-US" dirty="0"/>
               <a:t>ON </a:t>
@@ -3674,7 +3850,7 @@
         </p:blipFill>
         <p:spPr>
           <a:xfrm>
-            <a:off x="8225466" y="1529724"/>
+            <a:off x="7733853" y="1883684"/>
             <a:ext cx="2331922" cy="4054191"/>
           </a:xfrm>
           <a:prstGeom prst="rect">
@@ -3695,7 +3871,7 @@
 </p:sld>
 </file>
 
-<file path=ppt/slides/slide11.xml><?xml version="1.0" encoding="utf-8"?>
+<file path=ppt/slides/slide12.xml><?xml version="1.0" encoding="utf-8"?>
 <p:sld xmlns:a="http://schemas.openxmlformats.org/drawingml/2006/main" xmlns:r="http://schemas.openxmlformats.org/officeDocument/2006/relationships" xmlns:p="http://schemas.openxmlformats.org/presentationml/2006/main">
   <p:cSld>
     <p:spTree>
@@ -3742,171 +3918,195 @@
         </p:spPr>
         <p:txBody>
           <a:bodyPr>
-            <a:normAutofit fontScale="85000" lnSpcReduction="20000"/>
+            <a:normAutofit/>
           </a:bodyPr>
           <a:lstStyle/>
           <a:p>
             <a:pPr marL="0" indent="0">
               <a:buNone/>
             </a:pPr>
-            <a:endParaRPr lang="en-IN" dirty="0"/>
-          </a:p>
-          <a:p>
-            <a:endParaRPr lang="en-IN" dirty="0"/>
-          </a:p>
-          <a:p>
-            <a:r>
-              <a:rPr lang="en-US" dirty="0"/>
-              <a:t>Create a stored procedure that takes the '</a:t>
-            </a:r>
-            <a:r>
-              <a:rPr lang="en-US" dirty="0" err="1"/>
+            <a:r>
+              <a:rPr lang="en-US" sz="2000" b="1" dirty="0"/>
+              <a:t>10.Create a stored procedure that takes the '</a:t>
+            </a:r>
+            <a:r>
+              <a:rPr lang="en-US" sz="2000" b="1" dirty="0" err="1"/>
               <a:t>Week_no</a:t>
             </a:r>
             <a:r>
-              <a:rPr lang="en-US" dirty="0"/>
+              <a:rPr lang="en-US" sz="2000" b="1" dirty="0"/>
               <a:t>' as input and generates a report displaying the total shares for each '</a:t>
             </a:r>
             <a:r>
-              <a:rPr lang="en-US" dirty="0" err="1"/>
+              <a:rPr lang="en-US" sz="2000" b="1" dirty="0" err="1"/>
               <a:t>Post_type</a:t>
             </a:r>
             <a:r>
-              <a:rPr lang="en-US" dirty="0"/>
+              <a:rPr lang="en-US" sz="2000" b="1" dirty="0"/>
               <a:t>'. The output of the procedure should consist of two columns: </a:t>
             </a:r>
           </a:p>
           <a:p>
-            <a:r>
-              <a:rPr lang="en-IN" dirty="0" err="1"/>
+            <a:pPr marL="0" indent="0">
+              <a:buNone/>
+            </a:pPr>
+            <a:r>
+              <a:rPr lang="en-IN" sz="2000" b="1" dirty="0" err="1"/>
               <a:t>post_type</a:t>
             </a:r>
             <a:r>
-              <a:rPr lang="en-IN" dirty="0"/>
+              <a:rPr lang="en-IN" sz="2000" b="1" dirty="0"/>
               <a:t> </a:t>
             </a:r>
           </a:p>
           <a:p>
-            <a:r>
-              <a:rPr lang="en-IN" dirty="0" err="1"/>
+            <a:pPr marL="0" indent="0">
+              <a:buNone/>
+            </a:pPr>
+            <a:r>
+              <a:rPr lang="en-IN" sz="2000" b="1" dirty="0" err="1"/>
               <a:t>total_shares</a:t>
             </a:r>
             <a:r>
-              <a:rPr lang="en-IN" dirty="0"/>
+              <a:rPr lang="en-IN" sz="2000" b="1" dirty="0"/>
               <a:t> </a:t>
             </a:r>
           </a:p>
           <a:p>
-            <a:r>
-              <a:rPr lang="en-US" dirty="0"/>
+            <a:pPr marL="0" indent="0">
+              <a:buNone/>
+            </a:pPr>
+            <a:r>
+              <a:rPr lang="en-IN" sz="2000" b="1" dirty="0"/>
+              <a:t>Query:-</a:t>
+            </a:r>
+          </a:p>
+          <a:p>
+            <a:pPr marL="0" indent="0">
+              <a:buNone/>
+            </a:pPr>
+            <a:r>
+              <a:rPr lang="en-US" sz="1800" dirty="0"/>
               <a:t>CREATE DEFINER=`</a:t>
             </a:r>
             <a:r>
-              <a:rPr lang="en-US" dirty="0" err="1"/>
+              <a:rPr lang="en-US" sz="1800" dirty="0" err="1"/>
               <a:t>root`@`localhost</a:t>
             </a:r>
             <a:r>
-              <a:rPr lang="en-US" dirty="0"/>
+              <a:rPr lang="en-US" sz="1800" dirty="0"/>
               <a:t>` PROCEDURE `</a:t>
             </a:r>
             <a:r>
-              <a:rPr lang="en-US" dirty="0" err="1"/>
+              <a:rPr lang="en-US" sz="1800" dirty="0" err="1"/>
               <a:t>Get_Shares_ByWeek</a:t>
             </a:r>
             <a:r>
-              <a:rPr lang="en-US" dirty="0"/>
+              <a:rPr lang="en-US" sz="1800" dirty="0"/>
               <a:t>`(IN </a:t>
             </a:r>
             <a:r>
-              <a:rPr lang="en-US" dirty="0" err="1"/>
+              <a:rPr lang="en-US" sz="1800" dirty="0" err="1"/>
               <a:t>input_week</a:t>
             </a:r>
             <a:r>
-              <a:rPr lang="en-US" dirty="0"/>
+              <a:rPr lang="en-US" sz="1800" dirty="0"/>
               <a:t> varchar(4))BEGIN    SELECT         </a:t>
             </a:r>
             <a:r>
-              <a:rPr lang="en-US" dirty="0" err="1"/>
+              <a:rPr lang="en-US" sz="1800" dirty="0" err="1"/>
               <a:t>f.post_type</a:t>
             </a:r>
             <a:r>
-              <a:rPr lang="en-US" dirty="0"/>
+              <a:rPr lang="en-US" sz="1800" dirty="0"/>
               <a:t>,        SUM(</a:t>
             </a:r>
             <a:r>
-              <a:rPr lang="en-US" dirty="0" err="1"/>
+              <a:rPr lang="en-US" sz="1800" dirty="0" err="1"/>
               <a:t>f.shares</a:t>
             </a:r>
             <a:r>
-              <a:rPr lang="en-US" dirty="0"/>
+              <a:rPr lang="en-US" sz="1800" dirty="0"/>
               <a:t>) AS </a:t>
             </a:r>
             <a:r>
-              <a:rPr lang="en-US" dirty="0" err="1"/>
+              <a:rPr lang="en-US" sz="1800" dirty="0" err="1"/>
               <a:t>total_shares</a:t>
             </a:r>
             <a:r>
-              <a:rPr lang="en-US" dirty="0"/>
+              <a:rPr lang="en-US" sz="1800" dirty="0"/>
               <a:t>    FROM         </a:t>
             </a:r>
             <a:r>
-              <a:rPr lang="en-US" dirty="0" err="1"/>
+              <a:rPr lang="en-US" sz="1800" dirty="0" err="1"/>
               <a:t>fact_content</a:t>
             </a:r>
             <a:r>
-              <a:rPr lang="en-US" dirty="0"/>
+              <a:rPr lang="en-US" sz="1800" dirty="0"/>
               <a:t> f    JOIN         </a:t>
             </a:r>
             <a:r>
-              <a:rPr lang="en-US" dirty="0" err="1"/>
+              <a:rPr lang="en-US" sz="1800" dirty="0" err="1"/>
               <a:t>dim_dates</a:t>
             </a:r>
             <a:r>
-              <a:rPr lang="en-US" dirty="0"/>
+              <a:rPr lang="en-US" sz="1800" dirty="0"/>
               <a:t> d ON </a:t>
             </a:r>
             <a:r>
-              <a:rPr lang="en-US" dirty="0" err="1"/>
+              <a:rPr lang="en-US" sz="1800" dirty="0" err="1"/>
               <a:t>f.date</a:t>
             </a:r>
             <a:r>
-              <a:rPr lang="en-US" dirty="0"/>
+              <a:rPr lang="en-US" sz="1800" dirty="0"/>
               <a:t> = </a:t>
             </a:r>
             <a:r>
-              <a:rPr lang="en-US" dirty="0" err="1"/>
+              <a:rPr lang="en-US" sz="1800" dirty="0" err="1"/>
               <a:t>d.date</a:t>
             </a:r>
             <a:r>
-              <a:rPr lang="en-US" dirty="0"/>
+              <a:rPr lang="en-US" sz="1800" dirty="0"/>
               <a:t>    WHERE         </a:t>
             </a:r>
             <a:r>
-              <a:rPr lang="en-US" dirty="0" err="1"/>
+              <a:rPr lang="en-US" sz="1800" dirty="0" err="1"/>
               <a:t>d.week_no</a:t>
             </a:r>
             <a:r>
-              <a:rPr lang="en-US" dirty="0"/>
+              <a:rPr lang="en-US" sz="1800" dirty="0"/>
               <a:t> = </a:t>
             </a:r>
             <a:r>
-              <a:rPr lang="en-US" dirty="0" err="1"/>
+              <a:rPr lang="en-US" sz="1800" dirty="0" err="1"/>
               <a:t>input_week</a:t>
             </a:r>
             <a:r>
-              <a:rPr lang="en-US" dirty="0"/>
+              <a:rPr lang="en-US" sz="1800" dirty="0"/>
               <a:t>    GROUP BY         </a:t>
             </a:r>
             <a:r>
-              <a:rPr lang="en-US" dirty="0" err="1"/>
+              <a:rPr lang="en-US" sz="1800" dirty="0" err="1"/>
               <a:t>f.post_type;END</a:t>
             </a:r>
-            <a:endParaRPr lang="en-US" dirty="0"/>
-          </a:p>
-          <a:p>
-            <a:r>
-              <a:rPr lang="en-US" dirty="0"/>
-              <a:t>call gdb0120.Get_Shares_ByWeek('W15');</a:t>
+            <a:endParaRPr lang="en-US" sz="1800" dirty="0"/>
+          </a:p>
+          <a:p>
+            <a:pPr marL="0" indent="0">
+              <a:buNone/>
+            </a:pPr>
+            <a:r>
+              <a:rPr lang="en-US" sz="1800" dirty="0"/>
+              <a:t>call gdb0120.Get_Shares_ByWeek('W15’);</a:t>
+            </a:r>
+          </a:p>
+          <a:p>
+            <a:pPr marL="0" indent="0">
+              <a:buNone/>
+            </a:pPr>
+            <a:r>
+              <a:rPr lang="en-US" sz="2000" b="1" dirty="0"/>
+              <a:t>Output:-</a:t>
             </a:r>
           </a:p>
           <a:p>
@@ -3957,8 +4157,8 @@
         </p:blipFill>
         <p:spPr>
           <a:xfrm>
-            <a:off x="1151841" y="4479160"/>
-            <a:ext cx="3025402" cy="1104996"/>
+            <a:off x="1151841" y="4050890"/>
+            <a:ext cx="3675798" cy="1533266"/>
           </a:xfrm>
           <a:prstGeom prst="rect">
             <a:avLst/>
@@ -4011,50 +4211,73 @@
             <p:ph idx="1"/>
           </p:nvPr>
         </p:nvSpPr>
-        <p:spPr/>
+        <p:spPr>
+          <a:xfrm>
+            <a:off x="838200" y="914400"/>
+            <a:ext cx="10515600" cy="5262563"/>
+          </a:xfrm>
+        </p:spPr>
         <p:txBody>
           <a:bodyPr/>
           <a:lstStyle/>
           <a:p>
+            <a:pPr marL="514350" indent="-514350">
+              <a:buAutoNum type="arabicPeriod"/>
+            </a:pPr>
+            <a:r>
+              <a:rPr lang="en-US" sz="2400" b="1" dirty="0"/>
+              <a:t>How many unique post types are found in the '</a:t>
+            </a:r>
+            <a:r>
+              <a:rPr lang="en-US" sz="2400" b="1" dirty="0" err="1"/>
+              <a:t>fact_content</a:t>
+            </a:r>
+            <a:r>
+              <a:rPr lang="en-US" sz="2400" b="1" dirty="0"/>
+              <a:t>' table?</a:t>
+            </a:r>
+          </a:p>
+          <a:p>
             <a:pPr marL="0" indent="0">
               <a:buNone/>
             </a:pPr>
-            <a:endParaRPr lang="en-IN" dirty="0"/>
-          </a:p>
-          <a:p>
-            <a:r>
-              <a:rPr lang="en-US" dirty="0"/>
-              <a:t>1. How many unique post types are found in the '</a:t>
-            </a:r>
-            <a:r>
-              <a:rPr lang="en-US" dirty="0" err="1"/>
+            <a:r>
+              <a:rPr lang="en-US" sz="2400" b="1" dirty="0"/>
+              <a:t>Query:-</a:t>
+            </a:r>
+          </a:p>
+          <a:p>
+            <a:pPr marL="0" indent="0">
+              <a:buNone/>
+            </a:pPr>
+            <a:r>
+              <a:rPr lang="en-US" sz="2400" dirty="0"/>
+              <a:t>SELECT distinct </a:t>
+            </a:r>
+            <a:r>
+              <a:rPr lang="en-US" sz="2400" dirty="0" err="1"/>
+              <a:t>post_type</a:t>
+            </a:r>
+            <a:r>
+              <a:rPr lang="en-US" sz="2400" dirty="0"/>
+              <a:t> From </a:t>
+            </a:r>
+            <a:r>
+              <a:rPr lang="en-US" sz="2400" dirty="0" err="1"/>
               <a:t>fact_content</a:t>
             </a:r>
             <a:r>
-              <a:rPr lang="en-US" dirty="0"/>
-              <a:t>' table? </a:t>
-            </a:r>
-          </a:p>
-          <a:p>
-            <a:r>
-              <a:rPr lang="en-US" dirty="0"/>
-              <a:t>SELECT distinct </a:t>
-            </a:r>
-            <a:r>
-              <a:rPr lang="en-US" dirty="0" err="1"/>
-              <a:t>post_type</a:t>
-            </a:r>
-            <a:r>
-              <a:rPr lang="en-US" dirty="0"/>
-              <a:t> From </a:t>
-            </a:r>
-            <a:r>
-              <a:rPr lang="en-US" dirty="0" err="1"/>
-              <a:t>fact_content</a:t>
-            </a:r>
-            <a:r>
-              <a:rPr lang="en-US" dirty="0"/>
+              <a:rPr lang="en-US" sz="2400" dirty="0"/>
               <a:t>;</a:t>
+            </a:r>
+          </a:p>
+          <a:p>
+            <a:pPr marL="0" indent="0">
+              <a:buNone/>
+            </a:pPr>
+            <a:r>
+              <a:rPr lang="en-US" sz="2400" b="1" dirty="0"/>
+              <a:t>Output:-</a:t>
             </a:r>
           </a:p>
           <a:p>
@@ -4084,7 +4307,7 @@
         </p:blipFill>
         <p:spPr>
           <a:xfrm>
-            <a:off x="2864677" y="4310039"/>
+            <a:off x="2845012" y="3759433"/>
             <a:ext cx="2729877" cy="1866923"/>
           </a:xfrm>
           <a:prstGeom prst="rect">
@@ -4144,7 +4367,12 @@
             <p:ph idx="1"/>
           </p:nvPr>
         </p:nvSpPr>
-        <p:spPr/>
+        <p:spPr>
+          <a:xfrm>
+            <a:off x="838200" y="540774"/>
+            <a:ext cx="10515600" cy="5636189"/>
+          </a:xfrm>
+        </p:spPr>
         <p:txBody>
           <a:bodyPr/>
           <a:lstStyle/>
@@ -4152,53 +4380,71 @@
             <a:endParaRPr lang="en-IN" dirty="0"/>
           </a:p>
           <a:p>
-            <a:r>
-              <a:rPr lang="en-IN" dirty="0"/>
-              <a:t> </a:t>
-            </a:r>
-            <a:r>
-              <a:rPr lang="en-US" dirty="0"/>
-              <a:t>-- 2. What are the highest and lowest recorded impressions for each post </a:t>
-            </a:r>
-            <a:r>
-              <a:rPr lang="en-US" dirty="0" err="1"/>
-              <a:t>type?SELECT</a:t>
-            </a:r>
-            <a:r>
-              <a:rPr lang="en-US" dirty="0"/>
-              <a:t> </a:t>
-            </a:r>
-            <a:r>
-              <a:rPr lang="en-US" dirty="0" err="1"/>
+            <a:pPr marL="0" indent="0">
+              <a:buNone/>
+            </a:pPr>
+            <a:r>
+              <a:rPr lang="en-US" sz="2400" b="1" dirty="0"/>
+              <a:t>2. What are the highest and lowest recorded impressions for each post type?</a:t>
+            </a:r>
+          </a:p>
+          <a:p>
+            <a:pPr marL="0" indent="0">
+              <a:buNone/>
+            </a:pPr>
+            <a:r>
+              <a:rPr lang="en-US" sz="2400" dirty="0"/>
+              <a:t>Query:-</a:t>
+            </a:r>
+          </a:p>
+          <a:p>
+            <a:pPr marL="0" indent="0">
+              <a:buNone/>
+            </a:pPr>
+            <a:r>
+              <a:rPr lang="en-US" sz="2400" dirty="0"/>
+              <a:t>SELECT </a:t>
+            </a:r>
+            <a:r>
+              <a:rPr lang="en-US" sz="2400" dirty="0" err="1"/>
               <a:t>post_type</a:t>
             </a:r>
             <a:r>
-              <a:rPr lang="en-US" dirty="0"/>
+              <a:rPr lang="en-US" sz="2400" dirty="0"/>
               <a:t>,(impressions) as </a:t>
             </a:r>
             <a:r>
-              <a:rPr lang="en-US" dirty="0" err="1"/>
+              <a:rPr lang="en-US" sz="2400" dirty="0" err="1"/>
               <a:t>max,MIN</a:t>
             </a:r>
             <a:r>
-              <a:rPr lang="en-US" dirty="0"/>
+              <a:rPr lang="en-US" sz="2400" dirty="0"/>
               <a:t>(impressions) as min From </a:t>
             </a:r>
             <a:r>
-              <a:rPr lang="en-US" dirty="0" err="1"/>
+              <a:rPr lang="en-US" sz="2400" dirty="0" err="1"/>
               <a:t>fact_content</a:t>
             </a:r>
             <a:r>
-              <a:rPr lang="en-US" dirty="0"/>
+              <a:rPr lang="en-US" sz="2400" dirty="0"/>
               <a:t> group by </a:t>
             </a:r>
             <a:r>
-              <a:rPr lang="en-US" dirty="0" err="1"/>
+              <a:rPr lang="en-US" sz="2400" dirty="0" err="1"/>
               <a:t>post_type</a:t>
             </a:r>
             <a:r>
-              <a:rPr lang="en-US" dirty="0"/>
+              <a:rPr lang="en-US" sz="2400" dirty="0"/>
               <a:t>;</a:t>
+            </a:r>
+          </a:p>
+          <a:p>
+            <a:pPr marL="0" indent="0">
+              <a:buNone/>
+            </a:pPr>
+            <a:r>
+              <a:rPr lang="en-US" sz="2400" b="1" dirty="0"/>
+              <a:t>Output:-</a:t>
             </a:r>
           </a:p>
           <a:p>
@@ -4228,7 +4474,7 @@
         </p:blipFill>
         <p:spPr>
           <a:xfrm>
-            <a:off x="1641987" y="4362159"/>
+            <a:off x="2231922" y="3850881"/>
             <a:ext cx="3352800" cy="1684680"/>
           </a:xfrm>
           <a:prstGeom prst="rect">
@@ -4298,75 +4544,92 @@
           <a:bodyPr/>
           <a:lstStyle/>
           <a:p>
+            <a:pPr marL="0" indent="0">
+              <a:buNone/>
+            </a:pPr>
+            <a:r>
+              <a:rPr lang="en-US" sz="2400" b="1" dirty="0"/>
+              <a:t>3. Filter all the posts that were published on a weekend in the month of March and April and export them to a separate csv file.</a:t>
+            </a:r>
+          </a:p>
+          <a:p>
             <a:r>
               <a:rPr lang="en-US" dirty="0"/>
-              <a:t>-- 3. Filter all the posts that were published on a weekend in the month of March and April and export them to a separate csv </a:t>
-            </a:r>
-            <a:r>
-              <a:rPr lang="en-US" dirty="0" err="1"/>
-              <a:t>file.Select</a:t>
-            </a:r>
-            <a:r>
-              <a:rPr lang="en-US" dirty="0"/>
-              <a:t> * from </a:t>
-            </a:r>
-            <a:r>
-              <a:rPr lang="en-US" dirty="0" err="1"/>
+              <a:t>Query:-</a:t>
+            </a:r>
+          </a:p>
+          <a:p>
+            <a:r>
+              <a:rPr lang="en-US" sz="2000" dirty="0"/>
+              <a:t>Select * from </a:t>
+            </a:r>
+            <a:r>
+              <a:rPr lang="en-US" sz="2000" dirty="0" err="1"/>
               <a:t>fact_content</a:t>
             </a:r>
             <a:r>
-              <a:rPr lang="en-US" dirty="0"/>
+              <a:rPr lang="en-US" sz="2000" dirty="0"/>
               <a:t> f join </a:t>
             </a:r>
             <a:r>
-              <a:rPr lang="en-US" dirty="0" err="1"/>
+              <a:rPr lang="en-US" sz="2000" dirty="0" err="1"/>
               <a:t>dim_dates</a:t>
             </a:r>
             <a:r>
-              <a:rPr lang="en-US" dirty="0"/>
+              <a:rPr lang="en-US" sz="2000" dirty="0"/>
               <a:t> d on </a:t>
             </a:r>
             <a:r>
-              <a:rPr lang="en-US" dirty="0" err="1"/>
+              <a:rPr lang="en-US" sz="2000" dirty="0" err="1"/>
               <a:t>f.date</a:t>
             </a:r>
             <a:r>
-              <a:rPr lang="en-US" dirty="0"/>
+              <a:rPr lang="en-US" sz="2000" dirty="0"/>
               <a:t>=</a:t>
             </a:r>
             <a:r>
-              <a:rPr lang="en-US" dirty="0" err="1"/>
+              <a:rPr lang="en-US" sz="2000" dirty="0" err="1"/>
               <a:t>d.date</a:t>
             </a:r>
             <a:r>
-              <a:rPr lang="en-US" dirty="0"/>
+              <a:rPr lang="en-US" sz="2000" dirty="0"/>
               <a:t> where </a:t>
             </a:r>
             <a:r>
-              <a:rPr lang="en-US" dirty="0" err="1"/>
+              <a:rPr lang="en-US" sz="2000" dirty="0" err="1"/>
               <a:t>weekday_or_weekend</a:t>
             </a:r>
             <a:r>
-              <a:rPr lang="en-US" dirty="0"/>
+              <a:rPr lang="en-US" sz="2000" dirty="0"/>
               <a:t>="weekend" and </a:t>
             </a:r>
             <a:r>
-              <a:rPr lang="en-US" dirty="0" err="1"/>
+              <a:rPr lang="en-US" sz="2000" dirty="0" err="1"/>
               <a:t>month_name</a:t>
             </a:r>
             <a:r>
-              <a:rPr lang="en-US" dirty="0"/>
+              <a:rPr lang="en-US" sz="2000" dirty="0"/>
               <a:t> IN ("</a:t>
             </a:r>
             <a:r>
-              <a:rPr lang="en-US" dirty="0" err="1"/>
+              <a:rPr lang="en-US" sz="2000" dirty="0" err="1"/>
               <a:t>March","April</a:t>
             </a:r>
             <a:r>
-              <a:rPr lang="en-US" dirty="0"/>
+              <a:rPr lang="en-US" sz="2000" dirty="0"/>
               <a:t>");</a:t>
             </a:r>
-            <a:endParaRPr lang="en-IN" dirty="0"/>
+          </a:p>
+          <a:p>
+            <a:r>
+              <a:rPr lang="en-US" sz="2000" b="1" dirty="0"/>
+              <a:t>Output</a:t>
+            </a:r>
+            <a:r>
+              <a:rPr lang="en-US" sz="2000" dirty="0"/>
+              <a:t>:-</a:t>
+            </a:r>
+            <a:endParaRPr lang="en-IN" sz="2000" dirty="0"/>
           </a:p>
         </p:txBody>
       </p:sp>
@@ -4392,8 +4655,8 @@
         </p:blipFill>
         <p:spPr>
           <a:xfrm>
-            <a:off x="0" y="2792361"/>
-            <a:ext cx="12192000" cy="3569110"/>
+            <a:off x="1179870" y="2792361"/>
+            <a:ext cx="10173929" cy="3569110"/>
           </a:xfrm>
           <a:prstGeom prst="rect">
             <a:avLst/>
@@ -4452,7 +4715,12 @@
             <p:ph idx="1"/>
           </p:nvPr>
         </p:nvSpPr>
-        <p:spPr/>
+        <p:spPr>
+          <a:xfrm>
+            <a:off x="838200" y="0"/>
+            <a:ext cx="10515600" cy="6176963"/>
+          </a:xfrm>
+        </p:spPr>
         <p:txBody>
           <a:bodyPr/>
           <a:lstStyle/>
@@ -4461,51 +4729,158 @@
               <a:buNone/>
             </a:pPr>
             <a:r>
-              <a:rPr lang="en-US" dirty="0"/>
+              <a:rPr lang="en-US" sz="2000" b="1" dirty="0"/>
+              <a:t>4</a:t>
+            </a:r>
+            <a:r>
+              <a:rPr lang="en-US" sz="2000" dirty="0"/>
+              <a:t>.</a:t>
+            </a:r>
+            <a:r>
+              <a:rPr lang="en-US" sz="2000" b="1" dirty="0"/>
               <a:t>Create a report to get the statistics for the account. The final output includes the following fields: </a:t>
             </a:r>
           </a:p>
           <a:p>
             <a:r>
-              <a:rPr lang="en-IN" dirty="0"/>
+              <a:rPr lang="en-IN" sz="2000" b="1" dirty="0"/>
               <a:t>• </a:t>
             </a:r>
             <a:r>
-              <a:rPr lang="en-IN" dirty="0" err="1"/>
+              <a:rPr lang="en-IN" sz="2000" b="1" dirty="0" err="1"/>
               <a:t>month_name</a:t>
             </a:r>
             <a:r>
-              <a:rPr lang="en-IN" dirty="0"/>
+              <a:rPr lang="en-IN" sz="2000" b="1" dirty="0"/>
               <a:t> </a:t>
             </a:r>
           </a:p>
           <a:p>
             <a:r>
-              <a:rPr lang="en-IN" dirty="0"/>
+              <a:rPr lang="en-IN" sz="2000" b="1" dirty="0"/>
               <a:t>• </a:t>
             </a:r>
             <a:r>
-              <a:rPr lang="en-IN" dirty="0" err="1"/>
+              <a:rPr lang="en-IN" sz="2000" b="1" dirty="0" err="1"/>
               <a:t>total_profile_visits</a:t>
             </a:r>
             <a:r>
-              <a:rPr lang="en-IN" dirty="0"/>
+              <a:rPr lang="en-IN" sz="2000" b="1" dirty="0"/>
               <a:t> </a:t>
             </a:r>
           </a:p>
           <a:p>
             <a:r>
-              <a:rPr lang="en-IN" dirty="0"/>
+              <a:rPr lang="en-IN" sz="2000" b="1" dirty="0"/>
               <a:t>• </a:t>
             </a:r>
             <a:r>
-              <a:rPr lang="en-IN" dirty="0" err="1"/>
+              <a:rPr lang="en-IN" sz="2000" b="1" dirty="0" err="1"/>
               <a:t>total_new_followers</a:t>
             </a:r>
             <a:r>
-              <a:rPr lang="en-IN" dirty="0"/>
+              <a:rPr lang="en-IN" sz="2000" b="1" dirty="0"/>
               <a:t> </a:t>
             </a:r>
+          </a:p>
+          <a:p>
+            <a:r>
+              <a:rPr lang="en-IN" sz="2000" b="1" dirty="0"/>
+              <a:t>Query:-</a:t>
+            </a:r>
+          </a:p>
+          <a:p>
+            <a:r>
+              <a:rPr lang="en-US" sz="2000" dirty="0"/>
+              <a:t>select </a:t>
+            </a:r>
+            <a:r>
+              <a:rPr lang="en-US" sz="2000" dirty="0" err="1"/>
+              <a:t>d.month_name,SUM</a:t>
+            </a:r>
+            <a:r>
+              <a:rPr lang="en-US" sz="2000" dirty="0"/>
+              <a:t>(</a:t>
+            </a:r>
+            <a:r>
+              <a:rPr lang="en-US" sz="2000" dirty="0" err="1"/>
+              <a:t>f.profile_visits</a:t>
+            </a:r>
+            <a:r>
+              <a:rPr lang="en-US" sz="2000" dirty="0"/>
+              <a:t>) as </a:t>
+            </a:r>
+            <a:r>
+              <a:rPr lang="en-US" sz="2000" dirty="0" err="1"/>
+              <a:t>Total_profile_visits,SUM</a:t>
+            </a:r>
+            <a:r>
+              <a:rPr lang="en-US" sz="2000" dirty="0"/>
+              <a:t>(</a:t>
+            </a:r>
+            <a:r>
+              <a:rPr lang="en-US" sz="2000" dirty="0" err="1"/>
+              <a:t>f.new_followers</a:t>
+            </a:r>
+            <a:r>
+              <a:rPr lang="en-US" sz="2000" dirty="0"/>
+              <a:t>) as </a:t>
+            </a:r>
+            <a:r>
+              <a:rPr lang="en-US" sz="2000" dirty="0" err="1"/>
+              <a:t>Total_new_followers</a:t>
+            </a:r>
+            <a:r>
+              <a:rPr lang="en-US" sz="2000" dirty="0"/>
+              <a:t>  from </a:t>
+            </a:r>
+            <a:r>
+              <a:rPr lang="en-US" sz="2000" dirty="0" err="1"/>
+              <a:t>dim_dates</a:t>
+            </a:r>
+            <a:r>
+              <a:rPr lang="en-US" sz="2000" dirty="0"/>
+              <a:t> d join </a:t>
+            </a:r>
+            <a:r>
+              <a:rPr lang="en-US" sz="2000" dirty="0" err="1"/>
+              <a:t>fact_account</a:t>
+            </a:r>
+            <a:r>
+              <a:rPr lang="en-US" sz="2000" dirty="0"/>
+              <a:t> f on </a:t>
+            </a:r>
+            <a:r>
+              <a:rPr lang="en-US" sz="2000" dirty="0" err="1"/>
+              <a:t>d.date</a:t>
+            </a:r>
+            <a:r>
+              <a:rPr lang="en-US" sz="2000" dirty="0"/>
+              <a:t>=</a:t>
+            </a:r>
+            <a:r>
+              <a:rPr lang="en-US" sz="2000" dirty="0" err="1"/>
+              <a:t>f.date</a:t>
+            </a:r>
+            <a:r>
+              <a:rPr lang="en-US" sz="2000" dirty="0"/>
+              <a:t> group by </a:t>
+            </a:r>
+            <a:r>
+              <a:rPr lang="en-US" sz="2000" dirty="0" err="1"/>
+              <a:t>d.month_name</a:t>
+            </a:r>
+            <a:r>
+              <a:rPr lang="en-US" sz="2000" dirty="0"/>
+              <a:t>;</a:t>
+            </a:r>
+          </a:p>
+          <a:p>
+            <a:r>
+              <a:rPr lang="en-US" sz="2000" b="1" dirty="0"/>
+              <a:t>Output:-</a:t>
+            </a:r>
+            <a:endParaRPr lang="en-IN" sz="2000" b="1" dirty="0"/>
           </a:p>
           <a:p>
             <a:endParaRPr lang="en-IN" dirty="0"/>
@@ -4549,7 +4924,7 @@
         </p:blipFill>
         <p:spPr>
           <a:xfrm>
-            <a:off x="5024284" y="2953453"/>
+            <a:off x="2654710" y="3641712"/>
             <a:ext cx="5712542" cy="2719760"/>
           </a:xfrm>
           <a:prstGeom prst="rect">
@@ -4625,143 +5000,167 @@
             <a:endParaRPr lang="en-IN" dirty="0"/>
           </a:p>
           <a:p>
+            <a:pPr marL="0" indent="0">
+              <a:buNone/>
+            </a:pPr>
+            <a:r>
+              <a:rPr lang="en-US" sz="2000" b="1" dirty="0"/>
+              <a:t>5.Write a CTE that calculates the total number of 'likes’ for each '</a:t>
+            </a:r>
+            <a:r>
+              <a:rPr lang="en-US" sz="2000" b="1" dirty="0" err="1"/>
+              <a:t>post_category</a:t>
+            </a:r>
+            <a:r>
+              <a:rPr lang="en-US" sz="2000" b="1" dirty="0"/>
+              <a:t>' during the month of 'July' and subsequently, arrange the '</a:t>
+            </a:r>
+            <a:r>
+              <a:rPr lang="en-US" sz="2000" b="1" dirty="0" err="1"/>
+              <a:t>post_category</a:t>
+            </a:r>
+            <a:r>
+              <a:rPr lang="en-US" sz="2000" b="1" dirty="0"/>
+              <a:t>' values in descending order according to their total likes. </a:t>
+            </a:r>
+          </a:p>
+          <a:p>
+            <a:pPr marL="0" indent="0">
+              <a:buNone/>
+            </a:pPr>
             <a:r>
               <a:rPr lang="en-US" dirty="0"/>
-              <a:t>Write a CTE that calculates the total number of 'likes’ for each '</a:t>
-            </a:r>
-            <a:r>
-              <a:rPr lang="en-US" dirty="0" err="1"/>
+              <a:t>Query:-</a:t>
+            </a:r>
+          </a:p>
+          <a:p>
+            <a:pPr marL="0" indent="0">
+              <a:buNone/>
+            </a:pPr>
+            <a:r>
+              <a:rPr lang="en-US" sz="2000" dirty="0"/>
+              <a:t>WITH </a:t>
+            </a:r>
+            <a:r>
+              <a:rPr lang="en-US" sz="2000" dirty="0" err="1"/>
+              <a:t>post_category_like</a:t>
+            </a:r>
+            <a:r>
+              <a:rPr lang="en-US" sz="2000" dirty="0"/>
+              <a:t> AS (select </a:t>
+            </a:r>
+            <a:r>
+              <a:rPr lang="en-US" sz="2000" dirty="0" err="1"/>
+              <a:t>f.post_category,SUM</a:t>
+            </a:r>
+            <a:r>
+              <a:rPr lang="en-US" sz="2000" dirty="0"/>
+              <a:t>(</a:t>
+            </a:r>
+            <a:r>
+              <a:rPr lang="en-US" sz="2000" dirty="0" err="1"/>
+              <a:t>f.likes</a:t>
+            </a:r>
+            <a:r>
+              <a:rPr lang="en-US" sz="2000" dirty="0"/>
+              <a:t>) as </a:t>
+            </a:r>
+            <a:r>
+              <a:rPr lang="en-US" sz="2000" dirty="0" err="1"/>
+              <a:t>Total_likes</a:t>
+            </a:r>
+            <a:r>
+              <a:rPr lang="en-US" sz="2000" dirty="0"/>
+              <a:t> from </a:t>
+            </a:r>
+            <a:r>
+              <a:rPr lang="en-US" sz="2000" dirty="0" err="1"/>
+              <a:t>fact_content</a:t>
+            </a:r>
+            <a:r>
+              <a:rPr lang="en-US" sz="2000" dirty="0"/>
+              <a:t> f join </a:t>
+            </a:r>
+            <a:r>
+              <a:rPr lang="en-US" sz="2000" dirty="0" err="1"/>
+              <a:t>dim_dates</a:t>
+            </a:r>
+            <a:r>
+              <a:rPr lang="en-US" sz="2000" dirty="0"/>
+              <a:t> d on </a:t>
+            </a:r>
+            <a:r>
+              <a:rPr lang="en-US" sz="2000" dirty="0" err="1"/>
+              <a:t>f.date</a:t>
+            </a:r>
+            <a:r>
+              <a:rPr lang="en-US" sz="2000" dirty="0"/>
+              <a:t>=</a:t>
+            </a:r>
+            <a:r>
+              <a:rPr lang="en-US" sz="2000" dirty="0" err="1"/>
+              <a:t>d.date</a:t>
+            </a:r>
+            <a:r>
+              <a:rPr lang="en-US" sz="2000" dirty="0"/>
+              <a:t> where </a:t>
+            </a:r>
+            <a:r>
+              <a:rPr lang="en-US" sz="2000" dirty="0" err="1"/>
+              <a:t>d.month_name</a:t>
+            </a:r>
+            <a:r>
+              <a:rPr lang="en-US" sz="2000" dirty="0"/>
+              <a:t>='July' group by </a:t>
+            </a:r>
+            <a:r>
+              <a:rPr lang="en-US" sz="2000" dirty="0" err="1"/>
               <a:t>post_category</a:t>
             </a:r>
             <a:r>
-              <a:rPr lang="en-US" dirty="0"/>
-              <a:t>' during the month of 'July' and subsequently, arrange the '</a:t>
-            </a:r>
-            <a:r>
-              <a:rPr lang="en-US" dirty="0" err="1"/>
+              <a:rPr lang="en-US" sz="2000" dirty="0"/>
+              <a:t>)SELECT     </a:t>
+            </a:r>
+            <a:r>
+              <a:rPr lang="en-US" sz="2000" dirty="0" err="1"/>
               <a:t>post_category</a:t>
             </a:r>
             <a:r>
-              <a:rPr lang="en-US" dirty="0"/>
-              <a:t>' values in descending order according to their total likes. </a:t>
-            </a:r>
-          </a:p>
-          <a:p>
-            <a:r>
-              <a:rPr lang="en-US" dirty="0"/>
-              <a:t>WITH </a:t>
-            </a:r>
-            <a:r>
-              <a:rPr lang="en-US" dirty="0" err="1"/>
+              <a:rPr lang="en-US" sz="2000" dirty="0"/>
+              <a:t>,    </a:t>
+            </a:r>
+            <a:r>
+              <a:rPr lang="en-US" sz="2000" dirty="0" err="1"/>
+              <a:t>total_likes</a:t>
+            </a:r>
+            <a:r>
+              <a:rPr lang="en-US" sz="2000" dirty="0"/>
+              <a:t> FROM     </a:t>
+            </a:r>
+            <a:r>
+              <a:rPr lang="en-US" sz="2000" dirty="0" err="1"/>
               <a:t>post_category_like</a:t>
             </a:r>
             <a:r>
-              <a:rPr lang="en-US" dirty="0"/>
-              <a:t> AS (select </a:t>
-            </a:r>
-            <a:r>
-              <a:rPr lang="en-US" dirty="0" err="1"/>
-              <a:t>f.post_category,SUM</a:t>
-            </a:r>
-            <a:r>
-              <a:rPr lang="en-US" dirty="0"/>
-              <a:t>(</a:t>
-            </a:r>
-            <a:r>
-              <a:rPr lang="en-US" dirty="0" err="1"/>
-              <a:t>f.likes</a:t>
-            </a:r>
-            <a:r>
-              <a:rPr lang="en-US" dirty="0"/>
-              <a:t>) as </a:t>
-            </a:r>
-            <a:r>
-              <a:rPr lang="en-US" dirty="0" err="1"/>
-              <a:t>Total_likes</a:t>
-            </a:r>
-            <a:r>
-              <a:rPr lang="en-US" dirty="0"/>
-              <a:t> from </a:t>
-            </a:r>
-            <a:r>
-              <a:rPr lang="en-US" dirty="0" err="1"/>
-              <a:t>fact_content</a:t>
-            </a:r>
-            <a:r>
-              <a:rPr lang="en-US" dirty="0"/>
-              <a:t> f join </a:t>
-            </a:r>
-            <a:r>
-              <a:rPr lang="en-US" dirty="0" err="1"/>
-              <a:t>dim_dates</a:t>
-            </a:r>
-            <a:r>
-              <a:rPr lang="en-US" dirty="0"/>
-              <a:t> d on </a:t>
-            </a:r>
-            <a:r>
-              <a:rPr lang="en-US" dirty="0" err="1"/>
-              <a:t>f.date</a:t>
-            </a:r>
-            <a:r>
-              <a:rPr lang="en-US" dirty="0"/>
-              <a:t>=</a:t>
-            </a:r>
-            <a:r>
-              <a:rPr lang="en-US" dirty="0" err="1"/>
-              <a:t>d.date</a:t>
-            </a:r>
-            <a:r>
-              <a:rPr lang="en-US" dirty="0"/>
-              <a:t> where </a:t>
-            </a:r>
-            <a:r>
-              <a:rPr lang="en-US" dirty="0" err="1"/>
-              <a:t>d.month_name</a:t>
-            </a:r>
-            <a:r>
-              <a:rPr lang="en-US" dirty="0"/>
-              <a:t>='July' group by </a:t>
-            </a:r>
-            <a:r>
-              <a:rPr lang="en-US" dirty="0" err="1"/>
-              <a:t>post_category</a:t>
-            </a:r>
-            <a:r>
-              <a:rPr lang="en-US" dirty="0"/>
-              <a:t>)SELECT     </a:t>
-            </a:r>
-            <a:r>
-              <a:rPr lang="en-US" dirty="0" err="1"/>
-              <a:t>post_category</a:t>
-            </a:r>
-            <a:r>
-              <a:rPr lang="en-US" dirty="0"/>
-              <a:t>,    </a:t>
-            </a:r>
-            <a:r>
-              <a:rPr lang="en-US" dirty="0" err="1"/>
-              <a:t>total_likesFROM</a:t>
-            </a:r>
-            <a:r>
-              <a:rPr lang="en-US" dirty="0"/>
-              <a:t>     </a:t>
-            </a:r>
-            <a:r>
-              <a:rPr lang="en-US" dirty="0" err="1"/>
-              <a:t>post_category_likeORDER</a:t>
-            </a:r>
-            <a:r>
-              <a:rPr lang="en-US" dirty="0"/>
-              <a:t> BY     </a:t>
-            </a:r>
-            <a:r>
-              <a:rPr lang="en-US" dirty="0" err="1"/>
+              <a:rPr lang="en-US" sz="2000" dirty="0"/>
+              <a:t> ORDER BY     </a:t>
+            </a:r>
+            <a:r>
+              <a:rPr lang="en-US" sz="2000" dirty="0" err="1"/>
               <a:t>total_likes</a:t>
             </a:r>
             <a:r>
-              <a:rPr lang="en-US" dirty="0"/>
+              <a:rPr lang="en-US" sz="2000" dirty="0"/>
               <a:t> DESC;</a:t>
+            </a:r>
+          </a:p>
+          <a:p>
+            <a:pPr marL="0" indent="0">
+              <a:buNone/>
+            </a:pPr>
+            <a:r>
+              <a:rPr lang="en-US" sz="2000" b="1" dirty="0"/>
+              <a:t>Output:-</a:t>
             </a:r>
           </a:p>
           <a:p>
@@ -4791,7 +5190,7 @@
         </p:blipFill>
         <p:spPr>
           <a:xfrm>
-            <a:off x="3313471" y="4060723"/>
+            <a:off x="2939845" y="3500285"/>
             <a:ext cx="4277032" cy="2040491"/>
           </a:xfrm>
           <a:prstGeom prst="rect">
@@ -4864,110 +5263,125 @@
             <a:pPr marL="0" indent="0">
               <a:buNone/>
             </a:pPr>
-            <a:endParaRPr lang="en-IN" dirty="0"/>
-          </a:p>
-          <a:p>
-            <a:endParaRPr lang="en-IN" dirty="0"/>
-          </a:p>
-          <a:p>
-            <a:r>
-              <a:rPr lang="en-IN" dirty="0"/>
+            <a:r>
+              <a:rPr lang="en-US" sz="1600" b="1" dirty="0"/>
+              <a:t>6. Create a report that displays the unique </a:t>
+            </a:r>
+            <a:r>
+              <a:rPr lang="en-US" sz="1600" b="1" dirty="0" err="1"/>
+              <a:t>post_category</a:t>
+            </a:r>
+            <a:r>
+              <a:rPr lang="en-US" sz="1600" b="1" dirty="0"/>
+              <a:t> names alongside their respective counts for each month. The output should have three columns: </a:t>
+            </a:r>
+          </a:p>
+          <a:p>
+            <a:pPr marL="0" indent="0">
+              <a:buNone/>
+            </a:pPr>
+            <a:r>
+              <a:rPr lang="en-IN" sz="1600" b="1" dirty="0"/>
+              <a:t>• </a:t>
+            </a:r>
+            <a:r>
+              <a:rPr lang="en-IN" sz="1600" b="1" dirty="0" err="1"/>
+              <a:t>month_name</a:t>
+            </a:r>
+            <a:r>
+              <a:rPr lang="en-IN" sz="1600" b="1" dirty="0"/>
               <a:t> </a:t>
             </a:r>
           </a:p>
           <a:p>
-            <a:r>
-              <a:rPr lang="en-US" sz="1200" dirty="0"/>
-              <a:t>6. Create a report that displays the unique </a:t>
-            </a:r>
-            <a:r>
-              <a:rPr lang="en-US" sz="1200" dirty="0" err="1"/>
-              <a:t>post_category</a:t>
-            </a:r>
-            <a:r>
-              <a:rPr lang="en-US" sz="1200" dirty="0"/>
-              <a:t> names alongside their respective counts for each month. The output should have three columns: </a:t>
-            </a:r>
-          </a:p>
-          <a:p>
-            <a:r>
-              <a:rPr lang="en-IN" sz="1200" dirty="0"/>
+            <a:pPr marL="0" indent="0">
+              <a:buNone/>
+            </a:pPr>
+            <a:r>
+              <a:rPr lang="en-IN" sz="1600" b="1" dirty="0"/>
               <a:t>• </a:t>
             </a:r>
             <a:r>
-              <a:rPr lang="en-IN" sz="1200" dirty="0" err="1"/>
-              <a:t>month_name</a:t>
-            </a:r>
-            <a:r>
-              <a:rPr lang="en-IN" sz="1200" dirty="0"/>
+              <a:rPr lang="en-IN" sz="1600" b="1" dirty="0" err="1"/>
+              <a:t>post_category_names</a:t>
+            </a:r>
+            <a:r>
+              <a:rPr lang="en-IN" sz="1600" b="1" dirty="0"/>
               <a:t> </a:t>
             </a:r>
           </a:p>
           <a:p>
-            <a:r>
-              <a:rPr lang="en-IN" sz="1200" dirty="0"/>
+            <a:pPr marL="0" indent="0">
+              <a:buNone/>
+            </a:pPr>
+            <a:r>
+              <a:rPr lang="en-IN" sz="1600" b="1" dirty="0"/>
               <a:t>• </a:t>
             </a:r>
             <a:r>
-              <a:rPr lang="en-IN" sz="1200" dirty="0" err="1"/>
-              <a:t>post_category_names</a:t>
-            </a:r>
-            <a:r>
-              <a:rPr lang="en-IN" sz="1200" dirty="0"/>
+              <a:rPr lang="en-IN" sz="1600" b="1" dirty="0" err="1"/>
+              <a:t>post_category_count</a:t>
+            </a:r>
+            <a:r>
+              <a:rPr lang="en-IN" sz="1600" b="1" dirty="0"/>
               <a:t> </a:t>
             </a:r>
           </a:p>
           <a:p>
-            <a:r>
-              <a:rPr lang="en-IN" sz="1200" dirty="0"/>
-              <a:t>• </a:t>
-            </a:r>
-            <a:r>
-              <a:rPr lang="en-IN" sz="1200" dirty="0" err="1"/>
-              <a:t>post_category_count</a:t>
-            </a:r>
-            <a:r>
-              <a:rPr lang="en-IN" sz="1200" dirty="0"/>
+            <a:pPr marL="0" indent="0">
+              <a:buNone/>
+            </a:pPr>
+            <a:r>
+              <a:rPr lang="en-IN" sz="1600" b="1" dirty="0"/>
+              <a:t>Example: </a:t>
+            </a:r>
+          </a:p>
+          <a:p>
+            <a:pPr marL="0" indent="0">
+              <a:buNone/>
+            </a:pPr>
+            <a:r>
+              <a:rPr lang="en-IN" sz="1600" b="1" dirty="0"/>
+              <a:t>'April', '</a:t>
+            </a:r>
+            <a:r>
+              <a:rPr lang="en-IN" sz="1600" b="1" dirty="0" err="1"/>
+              <a:t>Earphone,Laptop,Mobile,Other</a:t>
+            </a:r>
+            <a:r>
+              <a:rPr lang="en-IN" sz="1600" b="1" dirty="0"/>
               <a:t> </a:t>
             </a:r>
-          </a:p>
-          <a:p>
-            <a:r>
-              <a:rPr lang="en-IN" sz="1200" dirty="0"/>
-              <a:t>Example: </a:t>
-            </a:r>
-          </a:p>
-          <a:p>
-            <a:r>
-              <a:rPr lang="en-IN" sz="1200" dirty="0"/>
-              <a:t>'April', '</a:t>
-            </a:r>
-            <a:r>
-              <a:rPr lang="en-IN" sz="1200" dirty="0" err="1"/>
-              <a:t>Earphone,Laptop,Mobile,Other</a:t>
-            </a:r>
-            <a:r>
-              <a:rPr lang="en-IN" sz="1200" dirty="0"/>
-              <a:t> </a:t>
-            </a:r>
-            <a:r>
-              <a:rPr lang="en-IN" sz="1200" dirty="0" err="1"/>
+            <a:r>
+              <a:rPr lang="en-IN" sz="1600" b="1" dirty="0" err="1"/>
               <a:t>Gadgets,Smartwatch</a:t>
             </a:r>
             <a:r>
-              <a:rPr lang="en-IN" sz="1200" dirty="0"/>
+              <a:rPr lang="en-IN" sz="1600" b="1" dirty="0"/>
               <a:t>', '5' • 'February', '</a:t>
             </a:r>
             <a:r>
-              <a:rPr lang="en-IN" sz="1200" dirty="0" err="1"/>
+              <a:rPr lang="en-IN" sz="1600" b="1" dirty="0" err="1"/>
               <a:t>Earphone,Laptop,Mobile,Smartwatch</a:t>
             </a:r>
             <a:r>
-              <a:rPr lang="en-IN" sz="1200" dirty="0"/>
-              <a:t>', '4' </a:t>
-            </a:r>
-          </a:p>
-          <a:p>
+              <a:rPr lang="en-IN" sz="1600" b="1" dirty="0"/>
+              <a:t>', '4’ </a:t>
+            </a:r>
+          </a:p>
+          <a:p>
+            <a:pPr marL="0" indent="0">
+              <a:buNone/>
+            </a:pPr>
+            <a:r>
+              <a:rPr lang="en-IN" sz="1800" b="1" dirty="0"/>
+              <a:t>Query:-</a:t>
+            </a:r>
+          </a:p>
+          <a:p>
+            <a:pPr marL="0" indent="0">
+              <a:buNone/>
+            </a:pPr>
             <a:r>
               <a:rPr lang="en-US" sz="1800" dirty="0"/>
               <a:t>select </a:t>
@@ -5062,7 +5476,13 @@
             </a:r>
           </a:p>
           <a:p>
-            <a:endParaRPr lang="en-IN" sz="1800" dirty="0"/>
+            <a:pPr marL="0" indent="0">
+              <a:buNone/>
+            </a:pPr>
+            <a:r>
+              <a:rPr lang="en-IN" sz="1800" b="1" dirty="0"/>
+              <a:t>Output:-</a:t>
+            </a:r>
           </a:p>
         </p:txBody>
       </p:sp>
@@ -5088,7 +5508,7 @@
         </p:blipFill>
         <p:spPr>
           <a:xfrm>
-            <a:off x="1447236" y="4451476"/>
+            <a:off x="2292810" y="4038522"/>
             <a:ext cx="4519052" cy="1828958"/>
           </a:xfrm>
           <a:prstGeom prst="rect">
@@ -5161,114 +5581,141 @@
             <a:pPr marL="0" indent="0">
               <a:buNone/>
             </a:pPr>
-            <a:endParaRPr lang="en-IN" dirty="0"/>
-          </a:p>
-          <a:p>
-            <a:endParaRPr lang="en-IN" dirty="0"/>
-          </a:p>
-          <a:p>
-            <a:r>
-              <a:rPr lang="en-IN" dirty="0"/>
+            <a:r>
+              <a:rPr lang="en-US" sz="2000" b="1" dirty="0"/>
+              <a:t>7. What is the percentage breakdown of total reach by post type? The final output includes the following fields: </a:t>
+            </a:r>
+          </a:p>
+          <a:p>
+            <a:pPr marL="0" indent="0">
+              <a:buNone/>
+            </a:pPr>
+            <a:r>
+              <a:rPr lang="en-IN" sz="2000" b="1" dirty="0"/>
+              <a:t>• </a:t>
+            </a:r>
+            <a:r>
+              <a:rPr lang="en-IN" sz="2000" b="1" dirty="0" err="1"/>
+              <a:t>post_type</a:t>
+            </a:r>
+            <a:r>
+              <a:rPr lang="en-IN" sz="2000" b="1" dirty="0"/>
               <a:t> </a:t>
             </a:r>
           </a:p>
           <a:p>
-            <a:endParaRPr lang="en-IN" dirty="0"/>
-          </a:p>
-          <a:p>
-            <a:r>
-              <a:rPr lang="en-US" dirty="0"/>
-              <a:t>7. What is the percentage breakdown of total reach by post type? The final output includes the following fields: </a:t>
-            </a:r>
-          </a:p>
-          <a:p>
-            <a:r>
-              <a:rPr lang="en-IN" dirty="0"/>
+            <a:pPr marL="0" indent="0">
+              <a:buNone/>
+            </a:pPr>
+            <a:r>
+              <a:rPr lang="en-IN" sz="2000" b="1" dirty="0"/>
               <a:t>• </a:t>
             </a:r>
             <a:r>
-              <a:rPr lang="en-IN" dirty="0" err="1"/>
+              <a:rPr lang="en-IN" sz="2000" b="1" dirty="0" err="1"/>
+              <a:t>total_reach</a:t>
+            </a:r>
+            <a:r>
+              <a:rPr lang="en-IN" sz="2000" b="1" dirty="0"/>
+              <a:t> </a:t>
+            </a:r>
+          </a:p>
+          <a:p>
+            <a:pPr marL="0" indent="0">
+              <a:buNone/>
+            </a:pPr>
+            <a:r>
+              <a:rPr lang="en-IN" sz="2000" b="1" dirty="0"/>
+              <a:t>• </a:t>
+            </a:r>
+            <a:r>
+              <a:rPr lang="en-IN" sz="2000" b="1" dirty="0" err="1"/>
+              <a:t>reach_percentage</a:t>
+            </a:r>
+            <a:r>
+              <a:rPr lang="en-IN" sz="2000" b="1" dirty="0"/>
+              <a:t> </a:t>
+            </a:r>
+          </a:p>
+          <a:p>
+            <a:pPr marL="0" indent="0">
+              <a:buNone/>
+            </a:pPr>
+            <a:endParaRPr lang="en-IN" sz="2000" b="1" dirty="0"/>
+          </a:p>
+          <a:p>
+            <a:pPr marL="0" indent="0">
+              <a:buNone/>
+            </a:pPr>
+            <a:r>
+              <a:rPr lang="en-IN" sz="2000" b="1" dirty="0"/>
+              <a:t>Query:-</a:t>
+            </a:r>
+          </a:p>
+          <a:p>
+            <a:pPr marL="0" indent="0">
+              <a:buNone/>
+            </a:pPr>
+            <a:r>
+              <a:rPr lang="en-US" sz="2000" dirty="0"/>
+              <a:t>select </a:t>
+            </a:r>
+            <a:r>
+              <a:rPr lang="en-US" sz="2000" dirty="0" err="1"/>
+              <a:t>post_type,sum</a:t>
+            </a:r>
+            <a:r>
+              <a:rPr lang="en-US" sz="2000" dirty="0"/>
+              <a:t>(reach) as </a:t>
+            </a:r>
+            <a:r>
+              <a:rPr lang="en-US" sz="2000" dirty="0" err="1"/>
+              <a:t>Total_reach,ROUND</a:t>
+            </a:r>
+            <a:r>
+              <a:rPr lang="en-US" sz="2000" dirty="0"/>
+              <a:t>(SUM(reach) * 100.0 / (select SUM(reach) FROM </a:t>
+            </a:r>
+            <a:r>
+              <a:rPr lang="en-US" sz="2000" dirty="0" err="1"/>
+              <a:t>fact_content</a:t>
+            </a:r>
+            <a:r>
+              <a:rPr lang="en-US" sz="2000" dirty="0"/>
+              <a:t>), 2) AS </a:t>
+            </a:r>
+            <a:r>
+              <a:rPr lang="en-US" sz="2000" dirty="0" err="1"/>
+              <a:t>reach_percentage</a:t>
+            </a:r>
+            <a:r>
+              <a:rPr lang="en-US" sz="2000" dirty="0"/>
+              <a:t> from </a:t>
+            </a:r>
+            <a:r>
+              <a:rPr lang="en-US" sz="2000" dirty="0" err="1"/>
+              <a:t>fact_content</a:t>
+            </a:r>
+            <a:r>
+              <a:rPr lang="en-US" sz="2000" dirty="0"/>
+              <a:t> group by </a:t>
+            </a:r>
+            <a:r>
+              <a:rPr lang="en-US" sz="2000" dirty="0" err="1"/>
               <a:t>post_type</a:t>
             </a:r>
             <a:r>
-              <a:rPr lang="en-IN" dirty="0"/>
-              <a:t> </a:t>
-            </a:r>
-          </a:p>
-          <a:p>
-            <a:r>
-              <a:rPr lang="en-IN" dirty="0"/>
-              <a:t>• </a:t>
-            </a:r>
-            <a:r>
-              <a:rPr lang="en-IN" dirty="0" err="1"/>
-              <a:t>total_reach</a:t>
-            </a:r>
-            <a:r>
-              <a:rPr lang="en-IN" dirty="0"/>
-              <a:t> • </a:t>
-            </a:r>
-            <a:r>
-              <a:rPr lang="en-IN" dirty="0" err="1"/>
-              <a:t>reach_percentage</a:t>
-            </a:r>
-            <a:r>
-              <a:rPr lang="en-IN" dirty="0"/>
-              <a:t> </a:t>
-            </a:r>
-          </a:p>
-          <a:p>
-            <a:r>
-              <a:rPr lang="en-US" sz="1800" dirty="0"/>
-              <a:t>select </a:t>
-            </a:r>
-            <a:r>
-              <a:rPr lang="en-US" sz="1800" dirty="0" err="1"/>
-              <a:t>post_type,sum</a:t>
-            </a:r>
-            <a:r>
-              <a:rPr lang="en-US" sz="1800" dirty="0"/>
-              <a:t>(reach) as </a:t>
-            </a:r>
-            <a:r>
-              <a:rPr lang="en-US" sz="1800" dirty="0" err="1"/>
-              <a:t>Total_reach,ROUND</a:t>
-            </a:r>
-            <a:r>
-              <a:rPr lang="en-US" sz="1800" dirty="0"/>
-              <a:t>(SUM(reach) * 100.0 / (select SUM(reach) FROM </a:t>
-            </a:r>
-            <a:r>
-              <a:rPr lang="en-US" sz="1800" dirty="0" err="1"/>
-              <a:t>fact_content</a:t>
-            </a:r>
-            <a:r>
-              <a:rPr lang="en-US" sz="1800" dirty="0"/>
-              <a:t>), 2) AS </a:t>
-            </a:r>
-            <a:r>
-              <a:rPr lang="en-US" sz="1800" dirty="0" err="1"/>
-              <a:t>reach_percentage</a:t>
-            </a:r>
-            <a:r>
-              <a:rPr lang="en-US" sz="1800" dirty="0"/>
-              <a:t> from </a:t>
-            </a:r>
-            <a:r>
-              <a:rPr lang="en-US" sz="1800" dirty="0" err="1"/>
-              <a:t>fact_content</a:t>
-            </a:r>
-            <a:r>
-              <a:rPr lang="en-US" sz="1800" dirty="0"/>
-              <a:t> group by </a:t>
-            </a:r>
-            <a:r>
-              <a:rPr lang="en-US" sz="1800" dirty="0" err="1"/>
-              <a:t>post_type</a:t>
-            </a:r>
-            <a:r>
-              <a:rPr lang="en-US" sz="1800" dirty="0"/>
+              <a:rPr lang="en-US" sz="2000" dirty="0"/>
               <a:t>;</a:t>
+            </a:r>
+          </a:p>
+          <a:p>
+            <a:pPr marL="0" indent="0">
+              <a:buNone/>
+            </a:pPr>
+            <a:r>
+              <a:rPr lang="en-US" sz="2000" b="1" dirty="0"/>
+              <a:t>Output:-</a:t>
             </a:r>
           </a:p>
           <a:p>
@@ -5298,7 +5745,7 @@
         </p:blipFill>
         <p:spPr>
           <a:xfrm>
-            <a:off x="6341807" y="5017723"/>
+            <a:off x="1592826" y="3837852"/>
             <a:ext cx="3784938" cy="1412574"/>
           </a:xfrm>
           <a:prstGeom prst="rect">
@@ -5360,8 +5807,8 @@
         </p:nvSpPr>
         <p:spPr>
           <a:xfrm>
-            <a:off x="1084007" y="-127819"/>
-            <a:ext cx="10515600" cy="6068808"/>
+            <a:off x="1084007" y="432619"/>
+            <a:ext cx="10515600" cy="5508370"/>
           </a:xfrm>
         </p:spPr>
         <p:txBody>
@@ -5373,266 +5820,262 @@
             <a:pPr marL="0" indent="0">
               <a:buNone/>
             </a:pPr>
+            <a:r>
+              <a:rPr lang="en-US" sz="1800" b="1" dirty="0"/>
+              <a:t>8.Create a report that includes the quarter, total comments, and total saves</a:t>
+            </a:r>
+          </a:p>
+          <a:p>
+            <a:pPr marL="0" indent="0">
+              <a:buNone/>
+            </a:pPr>
+            <a:r>
+              <a:rPr lang="en-US" sz="1800" b="1" dirty="0"/>
+              <a:t> recorded for each post category. Assign the following quarter groupings: </a:t>
+            </a:r>
+          </a:p>
+          <a:p>
+            <a:pPr marL="0" indent="0">
+              <a:buNone/>
+            </a:pPr>
+            <a:r>
+              <a:rPr lang="en-IN" sz="1800" b="1" dirty="0"/>
+              <a:t>(January, February, March) → “Q1” </a:t>
+            </a:r>
+          </a:p>
+          <a:p>
+            <a:pPr marL="0" indent="0">
+              <a:buNone/>
+            </a:pPr>
+            <a:r>
+              <a:rPr lang="en-IN" sz="1800" b="1" dirty="0"/>
+              <a:t>(April, May, June) → “Q2” </a:t>
+            </a:r>
+          </a:p>
+          <a:p>
+            <a:pPr marL="0" indent="0">
+              <a:buNone/>
+            </a:pPr>
+            <a:r>
+              <a:rPr lang="en-IN" sz="1800" b="1" dirty="0"/>
+              <a:t>(July, August, September) → “Q3” </a:t>
+            </a:r>
+            <a:r>
+              <a:rPr lang="en-US" sz="1800" b="1" dirty="0"/>
+              <a:t>The final output columns should consist of: </a:t>
+            </a:r>
+          </a:p>
+          <a:p>
+            <a:pPr marL="0" indent="0">
+              <a:buNone/>
+            </a:pPr>
+            <a:r>
+              <a:rPr lang="en-IN" sz="1800" b="1" dirty="0" err="1"/>
+              <a:t>post_category</a:t>
+            </a:r>
+            <a:r>
+              <a:rPr lang="en-IN" sz="1800" b="1" dirty="0"/>
+              <a:t> ,quarter ,</a:t>
+            </a:r>
+            <a:r>
+              <a:rPr lang="en-IN" sz="1800" b="1" dirty="0" err="1"/>
+              <a:t>total_comments</a:t>
+            </a:r>
+            <a:r>
+              <a:rPr lang="en-IN" sz="1800" b="1" dirty="0"/>
+              <a:t> ,</a:t>
+            </a:r>
+            <a:r>
+              <a:rPr lang="en-IN" sz="1800" b="1" dirty="0" err="1"/>
+              <a:t>total_saves</a:t>
+            </a:r>
+            <a:r>
+              <a:rPr lang="en-IN" sz="1800" b="1" dirty="0"/>
+              <a:t> </a:t>
+            </a:r>
+          </a:p>
+          <a:p>
+            <a:pPr marL="0" indent="0">
+              <a:buNone/>
+            </a:pPr>
+            <a:endParaRPr lang="en-IN" sz="1800" b="1" dirty="0"/>
+          </a:p>
+          <a:p>
+            <a:pPr marL="0" indent="0">
+              <a:buNone/>
+            </a:pPr>
+            <a:r>
+              <a:rPr lang="en-IN" sz="1800" b="1" dirty="0"/>
+              <a:t>Query:-</a:t>
+            </a:r>
+          </a:p>
+          <a:p>
+            <a:pPr marL="0" indent="0">
+              <a:buNone/>
+            </a:pPr>
+            <a:r>
+              <a:rPr lang="en-IN" sz="1600" dirty="0"/>
+              <a:t>select * from </a:t>
+            </a:r>
+            <a:r>
+              <a:rPr lang="en-IN" sz="1600" dirty="0" err="1"/>
+              <a:t>dim_dates;ALTER</a:t>
+            </a:r>
+            <a:r>
+              <a:rPr lang="en-IN" sz="1600" dirty="0"/>
+              <a:t> TABLE </a:t>
+            </a:r>
+            <a:r>
+              <a:rPr lang="en-IN" sz="1600" dirty="0" err="1"/>
+              <a:t>dim_datesADD</a:t>
+            </a:r>
+            <a:r>
+              <a:rPr lang="en-IN" sz="1600" dirty="0"/>
+              <a:t> COLUMN quarter VARCHAR(10);SET SQL_SAFE_UPDATES = 0;UPDATE </a:t>
+            </a:r>
+            <a:r>
+              <a:rPr lang="en-IN" sz="1600" dirty="0" err="1"/>
+              <a:t>dim_datesSET</a:t>
+            </a:r>
+            <a:r>
+              <a:rPr lang="en-IN" sz="1600" dirty="0"/>
+              <a:t> quarter = CASE    WHEN </a:t>
+            </a:r>
+            <a:r>
+              <a:rPr lang="en-IN" sz="1600" dirty="0" err="1"/>
+              <a:t>month_name</a:t>
+            </a:r>
+            <a:r>
+              <a:rPr lang="en-IN" sz="1600" dirty="0"/>
+              <a:t> IN ('January', 'February', 'March') THEN 'Q1'    WHEN </a:t>
+            </a:r>
+            <a:r>
+              <a:rPr lang="en-IN" sz="1600" dirty="0" err="1"/>
+              <a:t>month_name</a:t>
+            </a:r>
+            <a:r>
+              <a:rPr lang="en-IN" sz="1600" dirty="0"/>
+              <a:t> IN ('April', 'May', 'June') THEN 'Q2'    WHEN </a:t>
+            </a:r>
+            <a:r>
+              <a:rPr lang="en-IN" sz="1600" dirty="0" err="1"/>
+              <a:t>month_name</a:t>
+            </a:r>
+            <a:r>
+              <a:rPr lang="en-IN" sz="1600" dirty="0"/>
+              <a:t> IN ('July', 'August', 'September') THEN 'Q3'    ELSE 'Q4'  END;SET SQL_SAFE_UPDATES = 1;select * from </a:t>
+            </a:r>
+            <a:r>
+              <a:rPr lang="en-IN" sz="1600" dirty="0" err="1"/>
+              <a:t>dim_dates</a:t>
+            </a:r>
+            <a:r>
+              <a:rPr lang="en-IN" sz="1600" dirty="0"/>
+              <a:t>;</a:t>
+            </a:r>
+          </a:p>
+          <a:p>
+            <a:pPr marL="0" indent="0">
+              <a:buNone/>
+            </a:pPr>
+            <a:r>
+              <a:rPr lang="en-US" sz="1600" dirty="0"/>
+              <a:t>select </a:t>
+            </a:r>
+            <a:r>
+              <a:rPr lang="en-US" sz="1600" dirty="0" err="1"/>
+              <a:t>f.post_category,quarter</a:t>
+            </a:r>
+            <a:r>
+              <a:rPr lang="en-US" sz="1600" dirty="0"/>
+              <a:t>,(</a:t>
+            </a:r>
+            <a:r>
+              <a:rPr lang="en-US" sz="1600" dirty="0" err="1"/>
+              <a:t>f.comments</a:t>
+            </a:r>
+            <a:r>
+              <a:rPr lang="en-US" sz="1600" dirty="0"/>
+              <a:t>) as </a:t>
+            </a:r>
+            <a:r>
+              <a:rPr lang="en-US" sz="1600" dirty="0" err="1"/>
+              <a:t>Total_Comments,SUM</a:t>
+            </a:r>
+            <a:r>
+              <a:rPr lang="en-US" sz="1600" dirty="0"/>
+              <a:t>(saves) as </a:t>
+            </a:r>
+            <a:r>
+              <a:rPr lang="en-US" sz="1600" dirty="0" err="1"/>
+              <a:t>Total_Saves</a:t>
+            </a:r>
+            <a:r>
+              <a:rPr lang="en-US" sz="1600" dirty="0"/>
+              <a:t> from </a:t>
+            </a:r>
+            <a:r>
+              <a:rPr lang="en-US" sz="1600" dirty="0" err="1"/>
+              <a:t>fact_content</a:t>
+            </a:r>
+            <a:r>
+              <a:rPr lang="en-US" sz="1600" dirty="0"/>
+              <a:t> f join </a:t>
+            </a:r>
+            <a:r>
+              <a:rPr lang="en-US" sz="1600" dirty="0" err="1"/>
+              <a:t>dim_dates</a:t>
+            </a:r>
+            <a:r>
+              <a:rPr lang="en-US" sz="1600" dirty="0"/>
+              <a:t> d on </a:t>
+            </a:r>
+            <a:r>
+              <a:rPr lang="en-US" sz="1600" dirty="0" err="1"/>
+              <a:t>f.date</a:t>
+            </a:r>
+            <a:r>
+              <a:rPr lang="en-US" sz="1600" dirty="0"/>
+              <a:t>=</a:t>
+            </a:r>
+            <a:r>
+              <a:rPr lang="en-US" sz="1600" dirty="0" err="1"/>
+              <a:t>d.date</a:t>
+            </a:r>
+            <a:r>
+              <a:rPr lang="en-US" sz="1600" dirty="0"/>
+              <a:t> group by </a:t>
+            </a:r>
+            <a:r>
+              <a:rPr lang="en-US" sz="1600" dirty="0" err="1"/>
+              <a:t>post_category,quarter</a:t>
+            </a:r>
+            <a:r>
+              <a:rPr lang="en-US" sz="1600" dirty="0"/>
+              <a:t>;</a:t>
+            </a:r>
+            <a:endParaRPr lang="en-IN" sz="1600" dirty="0"/>
+          </a:p>
+          <a:p>
+            <a:pPr marL="0" indent="0">
+              <a:buNone/>
+            </a:pPr>
+            <a:endParaRPr lang="en-IN" sz="1800" b="1" dirty="0"/>
+          </a:p>
+          <a:p>
+            <a:pPr marL="0" indent="0">
+              <a:buNone/>
+            </a:pPr>
+            <a:endParaRPr lang="en-IN" sz="1800" b="1" dirty="0"/>
+          </a:p>
+          <a:p>
             <a:endParaRPr lang="en-IN" dirty="0"/>
           </a:p>
           <a:p>
-            <a:pPr marL="0" indent="0">
-              <a:buNone/>
-            </a:pPr>
-            <a:r>
-              <a:rPr lang="en-US" sz="1500" dirty="0"/>
-              <a:t>Create a report that includes the quarter, total comments, and total saves</a:t>
-            </a:r>
-          </a:p>
-          <a:p>
-            <a:r>
-              <a:rPr lang="en-US" sz="1500" dirty="0"/>
-              <a:t> recorded for each post category. Assign the following quarter groupings: </a:t>
-            </a:r>
-          </a:p>
-          <a:p>
-            <a:r>
-              <a:rPr lang="en-IN" sz="1500" dirty="0"/>
-              <a:t>(January, February, March) → “Q1” </a:t>
-            </a:r>
-          </a:p>
-          <a:p>
-            <a:r>
-              <a:rPr lang="en-IN" sz="1500" dirty="0"/>
-              <a:t>(April, May, June) → “Q2” </a:t>
-            </a:r>
-          </a:p>
-          <a:p>
-            <a:r>
-              <a:rPr lang="en-IN" sz="1500" dirty="0"/>
-              <a:t>(July, August, September) → “Q3” </a:t>
-            </a:r>
-            <a:r>
-              <a:rPr lang="en-US" sz="1500" dirty="0"/>
-              <a:t>The final output columns should consist of: </a:t>
-            </a:r>
-          </a:p>
-          <a:p>
-            <a:r>
-              <a:rPr lang="en-IN" sz="1500" dirty="0" err="1"/>
-              <a:t>post_category</a:t>
-            </a:r>
-            <a:r>
-              <a:rPr lang="en-IN" sz="1500" dirty="0"/>
-              <a:t> </a:t>
-            </a:r>
-          </a:p>
-          <a:p>
-            <a:r>
-              <a:rPr lang="en-IN" sz="1500" dirty="0"/>
-              <a:t>quarter </a:t>
-            </a:r>
-          </a:p>
-          <a:p>
-            <a:r>
-              <a:rPr lang="en-IN" sz="1500" dirty="0" err="1"/>
-              <a:t>total_comments</a:t>
-            </a:r>
-            <a:r>
-              <a:rPr lang="en-IN" sz="1500" dirty="0"/>
-              <a:t> </a:t>
-            </a:r>
-          </a:p>
-          <a:p>
-            <a:r>
-              <a:rPr lang="en-IN" sz="1500" dirty="0" err="1"/>
-              <a:t>total_saves</a:t>
-            </a:r>
-            <a:r>
-              <a:rPr lang="en-IN" sz="1500" dirty="0"/>
-              <a:t> </a:t>
-            </a:r>
-          </a:p>
-          <a:p>
-            <a:r>
-              <a:rPr lang="en-IN" sz="1500" dirty="0"/>
-              <a:t>select * from </a:t>
-            </a:r>
-            <a:r>
-              <a:rPr lang="en-IN" sz="1500" dirty="0" err="1"/>
-              <a:t>dim_dates;ALTER</a:t>
-            </a:r>
-            <a:r>
-              <a:rPr lang="en-IN" sz="1500" dirty="0"/>
-              <a:t> TABLE </a:t>
-            </a:r>
-            <a:r>
-              <a:rPr lang="en-IN" sz="1500" dirty="0" err="1"/>
-              <a:t>dim_datesADD</a:t>
-            </a:r>
-            <a:r>
-              <a:rPr lang="en-IN" sz="1500" dirty="0"/>
-              <a:t> COLUMN quarter VARCHAR(10);SET SQL_SAFE_UPDATES = 0;UPDATE </a:t>
-            </a:r>
-            <a:r>
-              <a:rPr lang="en-IN" sz="1500" dirty="0" err="1"/>
-              <a:t>dim_datesSET</a:t>
-            </a:r>
-            <a:r>
-              <a:rPr lang="en-IN" sz="1500" dirty="0"/>
-              <a:t> quarter = CASE    WHEN </a:t>
-            </a:r>
-            <a:r>
-              <a:rPr lang="en-IN" sz="1500" dirty="0" err="1"/>
-              <a:t>month_name</a:t>
-            </a:r>
-            <a:r>
-              <a:rPr lang="en-IN" sz="1500" dirty="0"/>
-              <a:t> IN ('January', 'February', 'March') THEN 'Q1'    WHEN </a:t>
-            </a:r>
-            <a:r>
-              <a:rPr lang="en-IN" sz="1500" dirty="0" err="1"/>
-              <a:t>month_name</a:t>
-            </a:r>
-            <a:r>
-              <a:rPr lang="en-IN" sz="1500" dirty="0"/>
-              <a:t> IN ('April', 'May', 'June') THEN 'Q2'    WHEN </a:t>
-            </a:r>
-            <a:r>
-              <a:rPr lang="en-IN" sz="1500" dirty="0" err="1"/>
-              <a:t>month_name</a:t>
-            </a:r>
-            <a:r>
-              <a:rPr lang="en-IN" sz="1500" dirty="0"/>
-              <a:t> IN ('July', 'August', 'September') THEN 'Q3'    ELSE 'Q4'  END;SET SQL_SAFE_UPDATES = 1;select * from </a:t>
-            </a:r>
-            <a:r>
-              <a:rPr lang="en-IN" sz="1500" dirty="0" err="1"/>
-              <a:t>dim_dates</a:t>
-            </a:r>
-            <a:r>
-              <a:rPr lang="en-IN" sz="1500" dirty="0"/>
-              <a:t>;</a:t>
-            </a:r>
-          </a:p>
-          <a:p>
-            <a:r>
-              <a:rPr lang="en-US" sz="1500" dirty="0"/>
-              <a:t>select </a:t>
-            </a:r>
-            <a:r>
-              <a:rPr lang="en-US" sz="1500" dirty="0" err="1"/>
-              <a:t>f.post_category,quarter</a:t>
-            </a:r>
-            <a:r>
-              <a:rPr lang="en-US" sz="1500" dirty="0"/>
-              <a:t>,(</a:t>
-            </a:r>
-            <a:r>
-              <a:rPr lang="en-US" sz="1500" dirty="0" err="1"/>
-              <a:t>f.comments</a:t>
-            </a:r>
-            <a:r>
-              <a:rPr lang="en-US" sz="1500" dirty="0"/>
-              <a:t>) as </a:t>
-            </a:r>
-            <a:r>
-              <a:rPr lang="en-US" sz="1500" dirty="0" err="1"/>
-              <a:t>Total_Comments,SUM</a:t>
-            </a:r>
-            <a:r>
-              <a:rPr lang="en-US" sz="1500" dirty="0"/>
-              <a:t>(saves) as </a:t>
-            </a:r>
-            <a:r>
-              <a:rPr lang="en-US" sz="1500" dirty="0" err="1"/>
-              <a:t>Total_Saves</a:t>
-            </a:r>
-            <a:r>
-              <a:rPr lang="en-US" sz="1500" dirty="0"/>
-              <a:t> from </a:t>
-            </a:r>
-            <a:r>
-              <a:rPr lang="en-US" sz="1500" dirty="0" err="1"/>
-              <a:t>fact_content</a:t>
-            </a:r>
-            <a:r>
-              <a:rPr lang="en-US" sz="1500" dirty="0"/>
-              <a:t> f join </a:t>
-            </a:r>
-            <a:r>
-              <a:rPr lang="en-US" sz="1500" dirty="0" err="1"/>
-              <a:t>dim_dates</a:t>
-            </a:r>
-            <a:r>
-              <a:rPr lang="en-US" sz="1500" dirty="0"/>
-              <a:t> d on </a:t>
-            </a:r>
-            <a:r>
-              <a:rPr lang="en-US" sz="1500" dirty="0" err="1"/>
-              <a:t>f.date</a:t>
-            </a:r>
-            <a:r>
-              <a:rPr lang="en-US" sz="1500" dirty="0"/>
-              <a:t>=</a:t>
-            </a:r>
-            <a:r>
-              <a:rPr lang="en-US" sz="1500" dirty="0" err="1"/>
-              <a:t>d.date</a:t>
-            </a:r>
-            <a:r>
-              <a:rPr lang="en-US" sz="1500" dirty="0"/>
-              <a:t> group by </a:t>
-            </a:r>
-            <a:r>
-              <a:rPr lang="en-US" sz="1500" dirty="0" err="1"/>
-              <a:t>post_category,quarter</a:t>
-            </a:r>
-            <a:r>
-              <a:rPr lang="en-US" sz="1500" dirty="0"/>
-              <a:t>;</a:t>
-            </a:r>
-            <a:endParaRPr lang="en-IN" sz="1500" dirty="0"/>
-          </a:p>
-          <a:p>
-            <a:r>
-              <a:rPr lang="en-IN" dirty="0"/>
-              <a:t> </a:t>
-            </a:r>
-          </a:p>
-          <a:p>
-            <a:endParaRPr lang="en-IN" dirty="0"/>
-          </a:p>
-          <a:p>
             <a:endParaRPr lang="en-IN" sz="1800" dirty="0"/>
           </a:p>
         </p:txBody>
       </p:sp>
-      <p:pic>
-        <p:nvPicPr>
-          <p:cNvPr id="4" name="Picture 3">
-            <a:extLst>
-              <a:ext uri="{FF2B5EF4-FFF2-40B4-BE49-F238E27FC236}">
-                <a16:creationId xmlns:a16="http://schemas.microsoft.com/office/drawing/2014/main" id="{3E34F56D-17E8-D664-88A4-5CF854A54BD7}"/>
-              </a:ext>
-            </a:extLst>
-          </p:cNvPr>
-          <p:cNvPicPr>
-            <a:picLocks noChangeAspect="1"/>
-          </p:cNvPicPr>
-          <p:nvPr/>
-        </p:nvPicPr>
-        <p:blipFill>
-          <a:blip r:embed="rId2"/>
-          <a:stretch>
-            <a:fillRect/>
-          </a:stretch>
-        </p:blipFill>
-        <p:spPr>
-          <a:xfrm>
-            <a:off x="7182506" y="174978"/>
-            <a:ext cx="4709568" cy="3254022"/>
-          </a:xfrm>
-          <a:prstGeom prst="rect">
-            <a:avLst/>
-          </a:prstGeom>
-        </p:spPr>
-      </p:pic>
     </p:spTree>
     <p:extLst>
       <p:ext uri="{BB962C8B-B14F-4D97-AF65-F5344CB8AC3E}">
